--- a/ああああ.pptx
+++ b/ああああ.pptx
@@ -3400,7 +3400,15 @@
           <a:p>
             <a:r>
               <a:rPr kumimoji="1" lang="ja-JP" altLang="en-US" dirty="0" smtClean="0"/>
-              <a:t>ああああ</a:t>
+              <a:t>ああふぁ</a:t>
+            </a:r>
+            <a:r>
+              <a:rPr kumimoji="1" lang="ja-JP" altLang="en-US" dirty="0" err="1" smtClean="0"/>
+              <a:t>ｄ</a:t>
+            </a:r>
+            <a:r>
+              <a:rPr kumimoji="1" lang="ja-JP" altLang="en-US" dirty="0" smtClean="0"/>
+              <a:t>ふぁふぁｓああ</a:t>
             </a:r>
             <a:endParaRPr kumimoji="1" lang="ja-JP" altLang="en-US" dirty="0"/>
           </a:p>
